--- a/ORM.pptx
+++ b/ORM.pptx
@@ -12,6 +12,8 @@
     <p:sldId id="260" r:id="rId6"/>
     <p:sldId id="262" r:id="rId7"/>
     <p:sldId id="261" r:id="rId8"/>
+    <p:sldId id="263" r:id="rId9"/>
+    <p:sldId id="264" r:id="rId10"/>
   </p:sldIdLst>
   <p:sldSz cx="12192000" cy="6858000"/>
   <p:notesSz cx="6858000" cy="9144000"/>
@@ -110,6 +112,11 @@
       </a:defRPr>
     </a:lvl9pPr>
   </p:defaultTextStyle>
+  <p:extLst>
+    <p:ext uri="{EFAFB233-063F-42B5-8137-9DF3F51BA10A}">
+      <p15:sldGuideLst xmlns:p15="http://schemas.microsoft.com/office/powerpoint/2012/main"/>
+    </p:ext>
+  </p:extLst>
 </p:presentation>
 </file>
 
@@ -448,7 +455,7 @@
           <a:p>
             <a:fld id="{21386EE1-54DB-4FBE-B468-C638C06B4F16}" type="datetimeFigureOut">
               <a:rPr lang="en-US" smtClean="0"/>
-              <a:t>03-Jul-16</a:t>
+              <a:t>07-Jul-16</a:t>
             </a:fld>
             <a:endParaRPr lang="en-US"/>
           </a:p>
@@ -1536,7 +1543,7 @@
           <a:p>
             <a:fld id="{21386EE1-54DB-4FBE-B468-C638C06B4F16}" type="datetimeFigureOut">
               <a:rPr lang="en-US" smtClean="0"/>
-              <a:t>03-Jul-16</a:t>
+              <a:t>07-Jul-16</a:t>
             </a:fld>
             <a:endParaRPr lang="en-US"/>
           </a:p>
@@ -2516,7 +2523,7 @@
           <a:p>
             <a:fld id="{21386EE1-54DB-4FBE-B468-C638C06B4F16}" type="datetimeFigureOut">
               <a:rPr lang="en-US" smtClean="0"/>
-              <a:t>03-Jul-16</a:t>
+              <a:t>07-Jul-16</a:t>
             </a:fld>
             <a:endParaRPr lang="en-US"/>
           </a:p>
@@ -3650,7 +3657,7 @@
           <a:p>
             <a:fld id="{21386EE1-54DB-4FBE-B468-C638C06B4F16}" type="datetimeFigureOut">
               <a:rPr lang="en-US" smtClean="0"/>
-              <a:t>03-Jul-16</a:t>
+              <a:t>07-Jul-16</a:t>
             </a:fld>
             <a:endParaRPr lang="en-US"/>
           </a:p>
@@ -4683,7 +4690,7 @@
           <a:p>
             <a:fld id="{21386EE1-54DB-4FBE-B468-C638C06B4F16}" type="datetimeFigureOut">
               <a:rPr lang="en-US" smtClean="0"/>
-              <a:t>03-Jul-16</a:t>
+              <a:t>07-Jul-16</a:t>
             </a:fld>
             <a:endParaRPr lang="en-US"/>
           </a:p>
@@ -5343,7 +5350,7 @@
           <a:p>
             <a:fld id="{21386EE1-54DB-4FBE-B468-C638C06B4F16}" type="datetimeFigureOut">
               <a:rPr lang="en-US" smtClean="0"/>
-              <a:t>03-Jul-16</a:t>
+              <a:t>07-Jul-16</a:t>
             </a:fld>
             <a:endParaRPr lang="en-US"/>
           </a:p>
@@ -6204,7 +6211,7 @@
           <a:p>
             <a:fld id="{21386EE1-54DB-4FBE-B468-C638C06B4F16}" type="datetimeFigureOut">
               <a:rPr lang="en-US" smtClean="0"/>
-              <a:t>03-Jul-16</a:t>
+              <a:t>07-Jul-16</a:t>
             </a:fld>
             <a:endParaRPr lang="en-US"/>
           </a:p>
@@ -6394,7 +6401,7 @@
           <a:p>
             <a:fld id="{21386EE1-54DB-4FBE-B468-C638C06B4F16}" type="datetimeFigureOut">
               <a:rPr lang="en-US" smtClean="0"/>
-              <a:t>03-Jul-16</a:t>
+              <a:t>07-Jul-16</a:t>
             </a:fld>
             <a:endParaRPr lang="en-US"/>
           </a:p>
@@ -7366,7 +7373,7 @@
           <a:p>
             <a:fld id="{21386EE1-54DB-4FBE-B468-C638C06B4F16}" type="datetimeFigureOut">
               <a:rPr lang="en-US" smtClean="0"/>
-              <a:t>03-Jul-16</a:t>
+              <a:t>07-Jul-16</a:t>
             </a:fld>
             <a:endParaRPr lang="en-US"/>
           </a:p>
@@ -7577,7 +7584,7 @@
           <a:p>
             <a:fld id="{21386EE1-54DB-4FBE-B468-C638C06B4F16}" type="datetimeFigureOut">
               <a:rPr lang="en-US" smtClean="0"/>
-              <a:t>03-Jul-16</a:t>
+              <a:t>07-Jul-16</a:t>
             </a:fld>
             <a:endParaRPr lang="en-US"/>
           </a:p>
@@ -8611,7 +8618,7 @@
           <a:p>
             <a:fld id="{21386EE1-54DB-4FBE-B468-C638C06B4F16}" type="datetimeFigureOut">
               <a:rPr lang="en-US" smtClean="0"/>
-              <a:t>03-Jul-16</a:t>
+              <a:t>07-Jul-16</a:t>
             </a:fld>
             <a:endParaRPr lang="en-US"/>
           </a:p>
@@ -8883,7 +8890,7 @@
           <a:p>
             <a:fld id="{21386EE1-54DB-4FBE-B468-C638C06B4F16}" type="datetimeFigureOut">
               <a:rPr lang="en-US" smtClean="0"/>
-              <a:t>03-Jul-16</a:t>
+              <a:t>07-Jul-16</a:t>
             </a:fld>
             <a:endParaRPr lang="en-US"/>
           </a:p>
@@ -9293,7 +9300,7 @@
           <a:p>
             <a:fld id="{21386EE1-54DB-4FBE-B468-C638C06B4F16}" type="datetimeFigureOut">
               <a:rPr lang="en-US" smtClean="0"/>
-              <a:t>03-Jul-16</a:t>
+              <a:t>07-Jul-16</a:t>
             </a:fld>
             <a:endParaRPr lang="en-US"/>
           </a:p>
@@ -9420,7 +9427,7 @@
           <a:p>
             <a:fld id="{21386EE1-54DB-4FBE-B468-C638C06B4F16}" type="datetimeFigureOut">
               <a:rPr lang="en-US" smtClean="0"/>
-              <a:t>03-Jul-16</a:t>
+              <a:t>07-Jul-16</a:t>
             </a:fld>
             <a:endParaRPr lang="en-US"/>
           </a:p>
@@ -9515,7 +9522,7 @@
           <a:p>
             <a:fld id="{21386EE1-54DB-4FBE-B468-C638C06B4F16}" type="datetimeFigureOut">
               <a:rPr lang="en-US" smtClean="0"/>
-              <a:t>03-Jul-16</a:t>
+              <a:t>07-Jul-16</a:t>
             </a:fld>
             <a:endParaRPr lang="en-US"/>
           </a:p>
@@ -10596,7 +10603,7 @@
           <a:p>
             <a:fld id="{21386EE1-54DB-4FBE-B468-C638C06B4F16}" type="datetimeFigureOut">
               <a:rPr lang="en-US" smtClean="0"/>
-              <a:t>03-Jul-16</a:t>
+              <a:t>07-Jul-16</a:t>
             </a:fld>
             <a:endParaRPr lang="en-US"/>
           </a:p>
@@ -11704,7 +11711,7 @@
           <a:p>
             <a:fld id="{21386EE1-54DB-4FBE-B468-C638C06B4F16}" type="datetimeFigureOut">
               <a:rPr lang="en-US" smtClean="0"/>
-              <a:t>03-Jul-16</a:t>
+              <a:t>07-Jul-16</a:t>
             </a:fld>
             <a:endParaRPr lang="en-US"/>
           </a:p>
@@ -12701,7 +12708,7 @@
           <a:p>
             <a:fld id="{21386EE1-54DB-4FBE-B468-C638C06B4F16}" type="datetimeFigureOut">
               <a:rPr lang="en-US" smtClean="0"/>
-              <a:t>03-Jul-16</a:t>
+              <a:t>07-Jul-16</a:t>
             </a:fld>
             <a:endParaRPr lang="en-US"/>
           </a:p>
@@ -13623,6 +13630,14 @@
               <a:rPr lang="en-US" sz="2400" dirty="0" smtClean="0"/>
               <a:t>LLBL</a:t>
             </a:r>
+          </a:p>
+          <a:p>
+            <a:r>
+              <a:rPr lang="en-US" sz="2400"/>
+              <a:t>Dapper </a:t>
+            </a:r>
+          </a:p>
+          <a:p>
             <a:endParaRPr lang="en-US" sz="2400" dirty="0"/>
           </a:p>
         </p:txBody>
@@ -13965,11 +13980,7 @@
             </a:r>
             <a:r>
               <a:rPr lang="en-US" dirty="0"/>
-              <a:t>first time </a:t>
-            </a:r>
-            <a:r>
-              <a:rPr lang="en-US" dirty="0"/>
-              <a:t> </a:t>
+              <a:t>first time  </a:t>
             </a:r>
             <a:endParaRPr lang="en-US" dirty="0" smtClean="0"/>
           </a:p>
@@ -13997,7 +14008,6 @@
               <a:rPr lang="en-US" dirty="0"/>
               <a:t>the entity/entities is accessed.</a:t>
             </a:r>
-            <a:endParaRPr lang="en-US" dirty="0"/>
           </a:p>
           <a:p>
             <a:endParaRPr lang="en-US" dirty="0"/>
@@ -14345,11 +14355,11 @@
               <a:t> Data </a:t>
             </a:r>
             <a:r>
-              <a:rPr lang="en-US" sz="1400" b="1" smtClean="0"/>
+              <a:rPr lang="en-US" sz="1400" b="1" dirty="0" smtClean="0"/>
               <a:t>Provider:</a:t>
             </a:r>
             <a:r>
-              <a:rPr lang="en-US" sz="1400" smtClean="0"/>
+              <a:rPr lang="en-US" sz="1400" dirty="0" smtClean="0"/>
               <a:t> </a:t>
             </a:r>
             <a:r>
@@ -14416,7 +14426,7 @@
             <a:pPr algn="ctr"/>
             <a:r>
               <a:rPr lang="en-US" dirty="0" smtClean="0"/>
-              <a:t>How to use EF?</a:t>
+              <a:t>Types of EF</a:t>
             </a:r>
             <a:endParaRPr lang="en-US" dirty="0"/>
           </a:p>
@@ -14592,6 +14602,167 @@
       </p:par>
     </p:tnLst>
   </p:timing>
+</p:sld>
+</file>
+
+<file path=ppt/slides/slide8.xml><?xml version="1.0" encoding="utf-8"?>
+<p:sld xmlns:a="http://schemas.openxmlformats.org/drawingml/2006/main" xmlns:r="http://schemas.openxmlformats.org/officeDocument/2006/relationships" xmlns:p="http://schemas.openxmlformats.org/presentationml/2006/main">
+  <p:cSld>
+    <p:spTree>
+      <p:nvGrpSpPr>
+        <p:cNvPr id="1" name=""/>
+        <p:cNvGrpSpPr/>
+        <p:nvPr/>
+      </p:nvGrpSpPr>
+      <p:grpSpPr>
+        <a:xfrm>
+          <a:off x="0" y="0"/>
+          <a:ext cx="0" cy="0"/>
+          <a:chOff x="0" y="0"/>
+          <a:chExt cx="0" cy="0"/>
+        </a:xfrm>
+      </p:grpSpPr>
+      <p:sp>
+        <p:nvSpPr>
+          <p:cNvPr id="9" name="Title 8"/>
+          <p:cNvSpPr>
+            <a:spLocks noGrp="1"/>
+          </p:cNvSpPr>
+          <p:nvPr>
+            <p:ph type="title"/>
+          </p:nvPr>
+        </p:nvSpPr>
+        <p:spPr>
+          <a:xfrm>
+            <a:off x="1284108" y="1063820"/>
+            <a:ext cx="8761413" cy="706964"/>
+          </a:xfrm>
+        </p:spPr>
+        <p:txBody>
+          <a:bodyPr/>
+          <a:lstStyle/>
+          <a:p>
+            <a:pPr algn="ctr"/>
+            <a:r>
+              <a:rPr lang="en-US" dirty="0" smtClean="0"/>
+              <a:t>How to choose?</a:t>
+            </a:r>
+            <a:endParaRPr lang="en-US" dirty="0"/>
+          </a:p>
+        </p:txBody>
+      </p:sp>
+      <p:pic>
+        <p:nvPicPr>
+          <p:cNvPr id="11" name="Content Placeholder 10"/>
+          <p:cNvPicPr>
+            <a:picLocks noGrp="1" noChangeAspect="1"/>
+          </p:cNvPicPr>
+          <p:nvPr>
+            <p:ph idx="1"/>
+          </p:nvPr>
+        </p:nvPicPr>
+        <p:blipFill>
+          <a:blip r:embed="rId2"/>
+          <a:stretch>
+            <a:fillRect/>
+          </a:stretch>
+        </p:blipFill>
+        <p:spPr>
+          <a:xfrm>
+            <a:off x="2691685" y="2333043"/>
+            <a:ext cx="7353836" cy="4416639"/>
+          </a:xfrm>
+          <a:prstGeom prst="rect">
+            <a:avLst/>
+          </a:prstGeom>
+        </p:spPr>
+      </p:pic>
+    </p:spTree>
+    <p:extLst>
+      <p:ext uri="{BB962C8B-B14F-4D97-AF65-F5344CB8AC3E}">
+        <p14:creationId xmlns:p14="http://schemas.microsoft.com/office/powerpoint/2010/main" val="1531663694"/>
+      </p:ext>
+    </p:extLst>
+  </p:cSld>
+  <p:clrMapOvr>
+    <a:masterClrMapping/>
+  </p:clrMapOvr>
+</p:sld>
+</file>
+
+<file path=ppt/slides/slide9.xml><?xml version="1.0" encoding="utf-8"?>
+<p:sld xmlns:a="http://schemas.openxmlformats.org/drawingml/2006/main" xmlns:r="http://schemas.openxmlformats.org/officeDocument/2006/relationships" xmlns:p="http://schemas.openxmlformats.org/presentationml/2006/main">
+  <p:cSld>
+    <p:spTree>
+      <p:nvGrpSpPr>
+        <p:cNvPr id="1" name=""/>
+        <p:cNvGrpSpPr/>
+        <p:nvPr/>
+      </p:nvGrpSpPr>
+      <p:grpSpPr>
+        <a:xfrm>
+          <a:off x="0" y="0"/>
+          <a:ext cx="0" cy="0"/>
+          <a:chOff x="0" y="0"/>
+          <a:chExt cx="0" cy="0"/>
+        </a:xfrm>
+      </p:grpSpPr>
+      <p:sp>
+        <p:nvSpPr>
+          <p:cNvPr id="2" name="Title 1"/>
+          <p:cNvSpPr>
+            <a:spLocks noGrp="1"/>
+          </p:cNvSpPr>
+          <p:nvPr>
+            <p:ph type="title"/>
+          </p:nvPr>
+        </p:nvSpPr>
+        <p:spPr/>
+        <p:txBody>
+          <a:bodyPr/>
+          <a:lstStyle/>
+          <a:p>
+            <a:pPr algn="ctr"/>
+            <a:r>
+              <a:rPr lang="en-US" i="1" dirty="0" smtClean="0"/>
+              <a:t>Bibliography</a:t>
+            </a:r>
+            <a:endParaRPr lang="en-US" i="1" dirty="0"/>
+          </a:p>
+        </p:txBody>
+      </p:sp>
+      <p:sp>
+        <p:nvSpPr>
+          <p:cNvPr id="3" name="Content Placeholder 2"/>
+          <p:cNvSpPr>
+            <a:spLocks noGrp="1"/>
+          </p:cNvSpPr>
+          <p:nvPr>
+            <p:ph idx="1"/>
+          </p:nvPr>
+        </p:nvSpPr>
+        <p:spPr/>
+        <p:txBody>
+          <a:bodyPr/>
+          <a:lstStyle/>
+          <a:p>
+            <a:r>
+              <a:rPr lang="en-US" dirty="0"/>
+              <a:t>http://www.entityframeworktutorial.net/</a:t>
+            </a:r>
+          </a:p>
+        </p:txBody>
+      </p:sp>
+    </p:spTree>
+    <p:extLst>
+      <p:ext uri="{BB962C8B-B14F-4D97-AF65-F5344CB8AC3E}">
+        <p14:creationId xmlns:p14="http://schemas.microsoft.com/office/powerpoint/2010/main" val="488401076"/>
+      </p:ext>
+    </p:extLst>
+  </p:cSld>
+  <p:clrMapOvr>
+    <a:masterClrMapping/>
+  </p:clrMapOvr>
 </p:sld>
 </file>
 
